--- a/Final Project.pptx
+++ b/Final Project.pptx
@@ -28,6 +28,7 @@
     <p:sldId id="271" r:id="rId22"/>
     <p:sldId id="272" r:id="rId23"/>
     <p:sldId id="279" r:id="rId24"/>
+    <p:sldId id="281" r:id="rId25"/>
   </p:sldIdLst>
   <p:sldSz cx="12192000" cy="6858000"/>
   <p:notesSz cx="6858000" cy="9144000"/>
@@ -146,6 +147,10 @@
 </p:cmAuthorLst>
 </file>
 
+<file path=ppt/revisionInfo.xml><?xml version="1.0" encoding="utf-8"?>
+<p1510:revInfo xmlns:a="http://schemas.openxmlformats.org/drawingml/2006/main" xmlns:r="http://schemas.openxmlformats.org/officeDocument/2006/relationships" xmlns:p1510="http://schemas.microsoft.com/office/powerpoint/2015/10/main"/>
+</file>
+
 <file path=ppt/comments/comment1.xml><?xml version="1.0" encoding="utf-8"?>
 <p:cmLst xmlns:a="http://schemas.openxmlformats.org/drawingml/2006/main" xmlns:r="http://schemas.openxmlformats.org/officeDocument/2006/relationships" xmlns:p="http://schemas.openxmlformats.org/presentationml/2006/main">
   <p:cm authorId="1" dt="2019-12-05T14:29:07.750" idx="1">
@@ -307,7 +312,7 @@
           <a:p>
             <a:fld id="{5E75392F-B4A5-4821-9661-89672F70A95E}" type="datetimeFigureOut">
               <a:rPr lang="en-US" smtClean="0"/>
-              <a:t>12/5/2019</a:t>
+              <a:t>12/10/2019</a:t>
             </a:fld>
             <a:endParaRPr lang="en-US"/>
           </a:p>
@@ -505,7 +510,7 @@
           <a:p>
             <a:fld id="{5E75392F-B4A5-4821-9661-89672F70A95E}" type="datetimeFigureOut">
               <a:rPr lang="en-US" smtClean="0"/>
-              <a:t>12/5/2019</a:t>
+              <a:t>12/10/2019</a:t>
             </a:fld>
             <a:endParaRPr lang="en-US"/>
           </a:p>
@@ -713,7 +718,7 @@
           <a:p>
             <a:fld id="{5E75392F-B4A5-4821-9661-89672F70A95E}" type="datetimeFigureOut">
               <a:rPr lang="en-US" smtClean="0"/>
-              <a:t>12/5/2019</a:t>
+              <a:t>12/10/2019</a:t>
             </a:fld>
             <a:endParaRPr lang="en-US"/>
           </a:p>
@@ -911,7 +916,7 @@
           <a:p>
             <a:fld id="{5E75392F-B4A5-4821-9661-89672F70A95E}" type="datetimeFigureOut">
               <a:rPr lang="en-US" smtClean="0"/>
-              <a:t>12/5/2019</a:t>
+              <a:t>12/10/2019</a:t>
             </a:fld>
             <a:endParaRPr lang="en-US"/>
           </a:p>
@@ -1186,7 +1191,7 @@
           <a:p>
             <a:fld id="{5E75392F-B4A5-4821-9661-89672F70A95E}" type="datetimeFigureOut">
               <a:rPr lang="en-US" smtClean="0"/>
-              <a:t>12/5/2019</a:t>
+              <a:t>12/10/2019</a:t>
             </a:fld>
             <a:endParaRPr lang="en-US"/>
           </a:p>
@@ -1451,7 +1456,7 @@
           <a:p>
             <a:fld id="{5E75392F-B4A5-4821-9661-89672F70A95E}" type="datetimeFigureOut">
               <a:rPr lang="en-US" smtClean="0"/>
-              <a:t>12/5/2019</a:t>
+              <a:t>12/10/2019</a:t>
             </a:fld>
             <a:endParaRPr lang="en-US"/>
           </a:p>
@@ -1863,7 +1868,7 @@
           <a:p>
             <a:fld id="{5E75392F-B4A5-4821-9661-89672F70A95E}" type="datetimeFigureOut">
               <a:rPr lang="en-US" smtClean="0"/>
-              <a:t>12/5/2019</a:t>
+              <a:t>12/10/2019</a:t>
             </a:fld>
             <a:endParaRPr lang="en-US"/>
           </a:p>
@@ -2004,7 +2009,7 @@
           <a:p>
             <a:fld id="{5E75392F-B4A5-4821-9661-89672F70A95E}" type="datetimeFigureOut">
               <a:rPr lang="en-US" smtClean="0"/>
-              <a:t>12/5/2019</a:t>
+              <a:t>12/10/2019</a:t>
             </a:fld>
             <a:endParaRPr lang="en-US"/>
           </a:p>
@@ -2117,7 +2122,7 @@
           <a:p>
             <a:fld id="{5E75392F-B4A5-4821-9661-89672F70A95E}" type="datetimeFigureOut">
               <a:rPr lang="en-US" smtClean="0"/>
-              <a:t>12/5/2019</a:t>
+              <a:t>12/10/2019</a:t>
             </a:fld>
             <a:endParaRPr lang="en-US"/>
           </a:p>
@@ -2428,7 +2433,7 @@
           <a:p>
             <a:fld id="{5E75392F-B4A5-4821-9661-89672F70A95E}" type="datetimeFigureOut">
               <a:rPr lang="en-US" smtClean="0"/>
-              <a:t>12/5/2019</a:t>
+              <a:t>12/10/2019</a:t>
             </a:fld>
             <a:endParaRPr lang="en-US"/>
           </a:p>
@@ -2716,7 +2721,7 @@
           <a:p>
             <a:fld id="{5E75392F-B4A5-4821-9661-89672F70A95E}" type="datetimeFigureOut">
               <a:rPr lang="en-US" smtClean="0"/>
-              <a:t>12/5/2019</a:t>
+              <a:t>12/10/2019</a:t>
             </a:fld>
             <a:endParaRPr lang="en-US"/>
           </a:p>
@@ -2957,7 +2962,7 @@
           <a:p>
             <a:fld id="{5E75392F-B4A5-4821-9661-89672F70A95E}" type="datetimeFigureOut">
               <a:rPr lang="en-US" smtClean="0"/>
-              <a:t>12/5/2019</a:t>
+              <a:t>12/10/2019</a:t>
             </a:fld>
             <a:endParaRPr lang="en-US"/>
           </a:p>
@@ -7866,14 +7871,14 @@
               <a:rPr lang="en-US" dirty="0">
                 <a:hlinkClick r:id="rId3"/>
               </a:rPr>
-              <a:t>admin@example.com</a:t>
+              <a:t>demo@demo.com</a:t>
             </a:r>
             <a:br>
               <a:rPr lang="en-US" dirty="0"/>
             </a:br>
             <a:r>
               <a:rPr lang="en-US" dirty="0"/>
-              <a:t>Password: 321.qwerty</a:t>
+              <a:t>Password: demo</a:t>
             </a:r>
           </a:p>
         </p:txBody>
@@ -8269,6 +8274,271 @@
     <p:extLst>
       <p:ext uri="{BB962C8B-B14F-4D97-AF65-F5344CB8AC3E}">
         <p14:creationId xmlns:p14="http://schemas.microsoft.com/office/powerpoint/2010/main" val="4227337363"/>
+      </p:ext>
+    </p:extLst>
+  </p:cSld>
+  <p:clrMapOvr>
+    <a:masterClrMapping/>
+  </p:clrMapOvr>
+</p:sld>
+</file>
+
+<file path=ppt/slides/slide24.xml><?xml version="1.0" encoding="utf-8"?>
+<p:sld xmlns:a="http://schemas.openxmlformats.org/drawingml/2006/main" xmlns:r="http://schemas.openxmlformats.org/officeDocument/2006/relationships" xmlns:p="http://schemas.openxmlformats.org/presentationml/2006/main">
+  <p:cSld>
+    <p:spTree>
+      <p:nvGrpSpPr>
+        <p:cNvPr id="1" name=""/>
+        <p:cNvGrpSpPr/>
+        <p:nvPr/>
+      </p:nvGrpSpPr>
+      <p:grpSpPr>
+        <a:xfrm>
+          <a:off x="0" y="0"/>
+          <a:ext cx="0" cy="0"/>
+          <a:chOff x="0" y="0"/>
+          <a:chExt cx="0" cy="0"/>
+        </a:xfrm>
+      </p:grpSpPr>
+      <p:sp>
+        <p:nvSpPr>
+          <p:cNvPr id="2" name="TextBox 1">
+            <a:extLst>
+              <a:ext uri="{FF2B5EF4-FFF2-40B4-BE49-F238E27FC236}">
+                <a16:creationId xmlns:a16="http://schemas.microsoft.com/office/drawing/2014/main" id="{73ED38F3-0E40-4E05-86DF-18CA7B7DF6B3}"/>
+              </a:ext>
+            </a:extLst>
+          </p:cNvPr>
+          <p:cNvSpPr txBox="1"/>
+          <p:nvPr/>
+        </p:nvSpPr>
+        <p:spPr>
+          <a:xfrm>
+            <a:off x="864066" y="461394"/>
+            <a:ext cx="1561902" cy="523220"/>
+          </a:xfrm>
+          <a:prstGeom prst="rect">
+            <a:avLst/>
+          </a:prstGeom>
+          <a:noFill/>
+        </p:spPr>
+        <p:txBody>
+          <a:bodyPr wrap="none" rtlCol="0">
+            <a:spAutoFit/>
+          </a:bodyPr>
+          <a:lstStyle/>
+          <a:p>
+            <a:r>
+              <a:rPr lang="es-ES" sz="2800" b="1" dirty="0"/>
+              <a:t>SOURCES</a:t>
+            </a:r>
+            <a:endParaRPr lang="en-US" sz="2800" b="1" dirty="0"/>
+          </a:p>
+        </p:txBody>
+      </p:sp>
+      <p:sp>
+        <p:nvSpPr>
+          <p:cNvPr id="3" name="Rectangle 2">
+            <a:extLst>
+              <a:ext uri="{FF2B5EF4-FFF2-40B4-BE49-F238E27FC236}">
+                <a16:creationId xmlns:a16="http://schemas.microsoft.com/office/drawing/2014/main" id="{B9B814BE-29E8-4C88-AF4E-B4FA6107C343}"/>
+              </a:ext>
+            </a:extLst>
+          </p:cNvPr>
+          <p:cNvSpPr/>
+          <p:nvPr/>
+        </p:nvSpPr>
+        <p:spPr>
+          <a:xfrm>
+            <a:off x="947956" y="0"/>
+            <a:ext cx="1182847" cy="117445"/>
+          </a:xfrm>
+          <a:prstGeom prst="rect">
+            <a:avLst/>
+          </a:prstGeom>
+          <a:solidFill>
+            <a:schemeClr val="accent2"/>
+          </a:solidFill>
+          <a:ln>
+            <a:solidFill>
+              <a:schemeClr val="accent2"/>
+            </a:solidFill>
+          </a:ln>
+        </p:spPr>
+        <p:style>
+          <a:lnRef idx="2">
+            <a:schemeClr val="accent1">
+              <a:shade val="50000"/>
+            </a:schemeClr>
+          </a:lnRef>
+          <a:fillRef idx="1">
+            <a:schemeClr val="accent1"/>
+          </a:fillRef>
+          <a:effectRef idx="0">
+            <a:schemeClr val="accent1"/>
+          </a:effectRef>
+          <a:fontRef idx="minor">
+            <a:schemeClr val="lt1"/>
+          </a:fontRef>
+        </p:style>
+        <p:txBody>
+          <a:bodyPr rtlCol="0" anchor="ctr"/>
+          <a:lstStyle/>
+          <a:p>
+            <a:pPr algn="ctr"/>
+            <a:endParaRPr lang="en-US" dirty="0"/>
+          </a:p>
+        </p:txBody>
+      </p:sp>
+      <p:sp>
+        <p:nvSpPr>
+          <p:cNvPr id="4" name="TextBox 3">
+            <a:extLst>
+              <a:ext uri="{FF2B5EF4-FFF2-40B4-BE49-F238E27FC236}">
+                <a16:creationId xmlns:a16="http://schemas.microsoft.com/office/drawing/2014/main" id="{5FFA6A20-AEB2-4C0B-81E3-2E3FB3970D13}"/>
+              </a:ext>
+            </a:extLst>
+          </p:cNvPr>
+          <p:cNvSpPr txBox="1"/>
+          <p:nvPr/>
+        </p:nvSpPr>
+        <p:spPr>
+          <a:xfrm>
+            <a:off x="864066" y="1468073"/>
+            <a:ext cx="5351530" cy="923330"/>
+          </a:xfrm>
+          <a:prstGeom prst="rect">
+            <a:avLst/>
+          </a:prstGeom>
+          <a:noFill/>
+        </p:spPr>
+        <p:txBody>
+          <a:bodyPr wrap="none" rtlCol="0">
+            <a:spAutoFit/>
+          </a:bodyPr>
+          <a:lstStyle/>
+          <a:p>
+            <a:r>
+              <a:rPr lang="en-US" dirty="0" err="1"/>
+              <a:t>Leantime</a:t>
+            </a:r>
+            <a:r>
+              <a:rPr lang="en-US" dirty="0"/>
+              <a:t> (2019). Retrieved from https://leantime.io</a:t>
+            </a:r>
+          </a:p>
+          <a:p>
+            <a:endParaRPr lang="en-US" dirty="0"/>
+          </a:p>
+          <a:p>
+            <a:r>
+              <a:rPr lang="en-US" dirty="0"/>
+              <a:t>Docker (2019). Retrieved from https://docs.docker.com</a:t>
+            </a:r>
+          </a:p>
+        </p:txBody>
+      </p:sp>
+      <p:sp>
+        <p:nvSpPr>
+          <p:cNvPr id="5" name="TextBox 4">
+            <a:extLst>
+              <a:ext uri="{FF2B5EF4-FFF2-40B4-BE49-F238E27FC236}">
+                <a16:creationId xmlns:a16="http://schemas.microsoft.com/office/drawing/2014/main" id="{8C3C6FE6-EE76-42D7-8F1F-E166C5033000}"/>
+              </a:ext>
+            </a:extLst>
+          </p:cNvPr>
+          <p:cNvSpPr txBox="1"/>
+          <p:nvPr/>
+        </p:nvSpPr>
+        <p:spPr>
+          <a:xfrm>
+            <a:off x="868298" y="2874862"/>
+            <a:ext cx="2032159" cy="523220"/>
+          </a:xfrm>
+          <a:prstGeom prst="rect">
+            <a:avLst/>
+          </a:prstGeom>
+          <a:noFill/>
+        </p:spPr>
+        <p:txBody>
+          <a:bodyPr wrap="none" rtlCol="0">
+            <a:spAutoFit/>
+          </a:bodyPr>
+          <a:lstStyle/>
+          <a:p>
+            <a:r>
+              <a:rPr lang="en-US" sz="2800" b="1" dirty="0"/>
+              <a:t>Repositories</a:t>
+            </a:r>
+          </a:p>
+        </p:txBody>
+      </p:sp>
+      <p:sp>
+        <p:nvSpPr>
+          <p:cNvPr id="6" name="TextBox 5">
+            <a:extLst>
+              <a:ext uri="{FF2B5EF4-FFF2-40B4-BE49-F238E27FC236}">
+                <a16:creationId xmlns:a16="http://schemas.microsoft.com/office/drawing/2014/main" id="{BDE3C457-58C3-480C-8FD9-7C2C01C7B5B8}"/>
+              </a:ext>
+            </a:extLst>
+          </p:cNvPr>
+          <p:cNvSpPr txBox="1"/>
+          <p:nvPr/>
+        </p:nvSpPr>
+        <p:spPr>
+          <a:xfrm>
+            <a:off x="880844" y="3501042"/>
+            <a:ext cx="6516399" cy="1477328"/>
+          </a:xfrm>
+          <a:prstGeom prst="rect">
+            <a:avLst/>
+          </a:prstGeom>
+          <a:noFill/>
+        </p:spPr>
+        <p:txBody>
+          <a:bodyPr wrap="none" rtlCol="0">
+            <a:spAutoFit/>
+          </a:bodyPr>
+          <a:lstStyle/>
+          <a:p>
+            <a:r>
+              <a:rPr lang="en-US" dirty="0">
+                <a:hlinkClick r:id="rId2"/>
+              </a:rPr>
+              <a:t>https://github.com/Leantime/leantime</a:t>
+            </a:r>
+            <a:br>
+              <a:rPr lang="en-US" dirty="0"/>
+            </a:br>
+            <a:br>
+              <a:rPr lang="en-US" dirty="0"/>
+            </a:br>
+            <a:r>
+              <a:rPr lang="en-US" dirty="0">
+                <a:hlinkClick r:id="rId3"/>
+              </a:rPr>
+              <a:t>https://github.com/MKaiyum/marist-mscs621-2019-MamunProject</a:t>
+            </a:r>
+            <a:endParaRPr lang="en-US" dirty="0"/>
+          </a:p>
+          <a:p>
+            <a:endParaRPr lang="en-US" dirty="0"/>
+          </a:p>
+          <a:p>
+            <a:r>
+              <a:rPr lang="en-US" dirty="0">
+                <a:hlinkClick r:id="rId4"/>
+              </a:rPr>
+              <a:t>https://hub.docker.com/repository/docker/mamunmscs/leantime</a:t>
+            </a:r>
+            <a:endParaRPr lang="en-US" dirty="0"/>
+          </a:p>
+        </p:txBody>
+      </p:sp>
+    </p:spTree>
+    <p:extLst>
+      <p:ext uri="{BB962C8B-B14F-4D97-AF65-F5344CB8AC3E}">
+        <p14:creationId xmlns:p14="http://schemas.microsoft.com/office/powerpoint/2010/main" val="2324412454"/>
       </p:ext>
     </p:extLst>
   </p:cSld>
